--- a/Figures/Figure_studio.pptx
+++ b/Figures/Figure_studio.pptx
@@ -5,8 +5,9 @@
     <p:sldMasterId id="2147483648" r:id="rId1"/>
   </p:sldMasterIdLst>
   <p:sldIdLst>
-    <p:sldId id="256" r:id="rId2"/>
+    <p:sldId id="259" r:id="rId2"/>
     <p:sldId id="257" r:id="rId3"/>
+    <p:sldId id="258" r:id="rId4"/>
   </p:sldIdLst>
   <p:sldSz cx="12192000" cy="6858000"/>
   <p:notesSz cx="6858000" cy="9144000"/>
@@ -260,7 +261,7 @@
           <a:p>
             <a:fld id="{CD48A445-E91F-4F3C-B20C-709616792687}" type="datetimeFigureOut">
               <a:rPr lang="en-US" smtClean="0"/>
-              <a:t>11/15/2023</a:t>
+              <a:t>11/28/2023</a:t>
             </a:fld>
             <a:endParaRPr lang="en-US"/>
           </a:p>
@@ -458,7 +459,7 @@
           <a:p>
             <a:fld id="{CD48A445-E91F-4F3C-B20C-709616792687}" type="datetimeFigureOut">
               <a:rPr lang="en-US" smtClean="0"/>
-              <a:t>11/15/2023</a:t>
+              <a:t>11/28/2023</a:t>
             </a:fld>
             <a:endParaRPr lang="en-US"/>
           </a:p>
@@ -666,7 +667,7 @@
           <a:p>
             <a:fld id="{CD48A445-E91F-4F3C-B20C-709616792687}" type="datetimeFigureOut">
               <a:rPr lang="en-US" smtClean="0"/>
-              <a:t>11/15/2023</a:t>
+              <a:t>11/28/2023</a:t>
             </a:fld>
             <a:endParaRPr lang="en-US"/>
           </a:p>
@@ -864,7 +865,7 @@
           <a:p>
             <a:fld id="{CD48A445-E91F-4F3C-B20C-709616792687}" type="datetimeFigureOut">
               <a:rPr lang="en-US" smtClean="0"/>
-              <a:t>11/15/2023</a:t>
+              <a:t>11/28/2023</a:t>
             </a:fld>
             <a:endParaRPr lang="en-US"/>
           </a:p>
@@ -1139,7 +1140,7 @@
           <a:p>
             <a:fld id="{CD48A445-E91F-4F3C-B20C-709616792687}" type="datetimeFigureOut">
               <a:rPr lang="en-US" smtClean="0"/>
-              <a:t>11/15/2023</a:t>
+              <a:t>11/28/2023</a:t>
             </a:fld>
             <a:endParaRPr lang="en-US"/>
           </a:p>
@@ -1404,7 +1405,7 @@
           <a:p>
             <a:fld id="{CD48A445-E91F-4F3C-B20C-709616792687}" type="datetimeFigureOut">
               <a:rPr lang="en-US" smtClean="0"/>
-              <a:t>11/15/2023</a:t>
+              <a:t>11/28/2023</a:t>
             </a:fld>
             <a:endParaRPr lang="en-US"/>
           </a:p>
@@ -1816,7 +1817,7 @@
           <a:p>
             <a:fld id="{CD48A445-E91F-4F3C-B20C-709616792687}" type="datetimeFigureOut">
               <a:rPr lang="en-US" smtClean="0"/>
-              <a:t>11/15/2023</a:t>
+              <a:t>11/28/2023</a:t>
             </a:fld>
             <a:endParaRPr lang="en-US"/>
           </a:p>
@@ -1957,7 +1958,7 @@
           <a:p>
             <a:fld id="{CD48A445-E91F-4F3C-B20C-709616792687}" type="datetimeFigureOut">
               <a:rPr lang="en-US" smtClean="0"/>
-              <a:t>11/15/2023</a:t>
+              <a:t>11/28/2023</a:t>
             </a:fld>
             <a:endParaRPr lang="en-US"/>
           </a:p>
@@ -2070,7 +2071,7 @@
           <a:p>
             <a:fld id="{CD48A445-E91F-4F3C-B20C-709616792687}" type="datetimeFigureOut">
               <a:rPr lang="en-US" smtClean="0"/>
-              <a:t>11/15/2023</a:t>
+              <a:t>11/28/2023</a:t>
             </a:fld>
             <a:endParaRPr lang="en-US"/>
           </a:p>
@@ -2381,7 +2382,7 @@
           <a:p>
             <a:fld id="{CD48A445-E91F-4F3C-B20C-709616792687}" type="datetimeFigureOut">
               <a:rPr lang="en-US" smtClean="0"/>
-              <a:t>11/15/2023</a:t>
+              <a:t>11/28/2023</a:t>
             </a:fld>
             <a:endParaRPr lang="en-US"/>
           </a:p>
@@ -2669,7 +2670,7 @@
           <a:p>
             <a:fld id="{CD48A445-E91F-4F3C-B20C-709616792687}" type="datetimeFigureOut">
               <a:rPr lang="en-US" smtClean="0"/>
-              <a:t>11/15/2023</a:t>
+              <a:t>11/28/2023</a:t>
             </a:fld>
             <a:endParaRPr lang="en-US"/>
           </a:p>
@@ -2910,7 +2911,7 @@
           <a:p>
             <a:fld id="{CD48A445-E91F-4F3C-B20C-709616792687}" type="datetimeFigureOut">
               <a:rPr lang="en-US" smtClean="0"/>
-              <a:t>11/15/2023</a:t>
+              <a:t>11/28/2023</a:t>
             </a:fld>
             <a:endParaRPr lang="en-US"/>
           </a:p>
@@ -3329,10 +3330,10 @@
       </p:grpSpPr>
       <p:pic>
         <p:nvPicPr>
-          <p:cNvPr id="7" name="Picture 6">
-            <a:extLst>
-              <a:ext uri="{FF2B5EF4-FFF2-40B4-BE49-F238E27FC236}">
-                <a16:creationId xmlns:a16="http://schemas.microsoft.com/office/drawing/2014/main" id="{E41C4A31-6CCE-2AFE-EE73-16FFB12E1338}"/>
+          <p:cNvPr id="6" name="Picture 5">
+            <a:extLst>
+              <a:ext uri="{FF2B5EF4-FFF2-40B4-BE49-F238E27FC236}">
+                <a16:creationId xmlns:a16="http://schemas.microsoft.com/office/drawing/2014/main" id="{4C96F61A-FEC4-2084-2218-EC1A922B6188}"/>
               </a:ext>
             </a:extLst>
           </p:cNvPr>
@@ -3361,14 +3362,17 @@
           <a:prstGeom prst="rect">
             <a:avLst/>
           </a:prstGeom>
+          <a:ln>
+            <a:noFill/>
+          </a:ln>
         </p:spPr>
       </p:pic>
       <p:pic>
         <p:nvPicPr>
-          <p:cNvPr id="5" name="Picture 4">
-            <a:extLst>
-              <a:ext uri="{FF2B5EF4-FFF2-40B4-BE49-F238E27FC236}">
-                <a16:creationId xmlns:a16="http://schemas.microsoft.com/office/drawing/2014/main" id="{16C7D011-D88C-FAA0-B4BE-2F2ABA26E3C6}"/>
+          <p:cNvPr id="7" name="Picture 6">
+            <a:extLst>
+              <a:ext uri="{FF2B5EF4-FFF2-40B4-BE49-F238E27FC236}">
+                <a16:creationId xmlns:a16="http://schemas.microsoft.com/office/drawing/2014/main" id="{F9EF6448-3F15-2E6B-E730-8B2BB5BF4588}"/>
               </a:ext>
             </a:extLst>
           </p:cNvPr>
@@ -3397,10 +3401,625 @@
           </a:ln>
         </p:spPr>
       </p:pic>
+      <p:sp>
+        <p:nvSpPr>
+          <p:cNvPr id="8" name="TextBox 7">
+            <a:extLst>
+              <a:ext uri="{FF2B5EF4-FFF2-40B4-BE49-F238E27FC236}">
+                <a16:creationId xmlns:a16="http://schemas.microsoft.com/office/drawing/2014/main" id="{47826E5B-0EAF-7AD7-E865-9690CC31190D}"/>
+              </a:ext>
+            </a:extLst>
+          </p:cNvPr>
+          <p:cNvSpPr txBox="1"/>
+          <p:nvPr/>
+        </p:nvSpPr>
+        <p:spPr>
+          <a:xfrm>
+            <a:off x="7381143" y="1565031"/>
+            <a:ext cx="1472711" cy="338554"/>
+          </a:xfrm>
+          <a:prstGeom prst="rect">
+            <a:avLst/>
+          </a:prstGeom>
+          <a:noFill/>
+        </p:spPr>
+        <p:txBody>
+          <a:bodyPr wrap="square" rtlCol="0">
+            <a:spAutoFit/>
+          </a:bodyPr>
+          <a:lstStyle/>
+          <a:p>
+            <a:r>
+              <a:rPr lang="en-US" sz="1600" dirty="0">
+                <a:latin typeface="Arial" panose="020B0604020202020204" pitchFamily="34" charset="0"/>
+                <a:cs typeface="Arial" panose="020B0604020202020204" pitchFamily="34" charset="0"/>
+              </a:rPr>
+              <a:t>La Amistad</a:t>
+            </a:r>
+          </a:p>
+        </p:txBody>
+      </p:sp>
+      <p:sp>
+        <p:nvSpPr>
+          <p:cNvPr id="9" name="TextBox 8">
+            <a:extLst>
+              <a:ext uri="{FF2B5EF4-FFF2-40B4-BE49-F238E27FC236}">
+                <a16:creationId xmlns:a16="http://schemas.microsoft.com/office/drawing/2014/main" id="{6841EFEA-33EB-679E-17FB-364DB0EDB04A}"/>
+              </a:ext>
+            </a:extLst>
+          </p:cNvPr>
+          <p:cNvSpPr txBox="1"/>
+          <p:nvPr/>
+        </p:nvSpPr>
+        <p:spPr>
+          <a:xfrm>
+            <a:off x="3607044" y="2857451"/>
+            <a:ext cx="1790699" cy="338554"/>
+          </a:xfrm>
+          <a:prstGeom prst="rect">
+            <a:avLst/>
+          </a:prstGeom>
+          <a:noFill/>
+        </p:spPr>
+        <p:txBody>
+          <a:bodyPr wrap="square" rtlCol="0">
+            <a:spAutoFit/>
+          </a:bodyPr>
+          <a:lstStyle/>
+          <a:p>
+            <a:pPr algn="ctr"/>
+            <a:r>
+              <a:rPr lang="en-US" sz="1600" dirty="0" err="1">
+                <a:latin typeface="Arial" panose="020B0604020202020204" pitchFamily="34" charset="0"/>
+                <a:cs typeface="Arial" panose="020B0604020202020204" pitchFamily="34" charset="0"/>
+              </a:rPr>
+              <a:t>Terraba-Sierpe</a:t>
+            </a:r>
+            <a:endParaRPr lang="en-US" sz="1600" dirty="0">
+              <a:latin typeface="Arial" panose="020B0604020202020204" pitchFamily="34" charset="0"/>
+              <a:cs typeface="Arial" panose="020B0604020202020204" pitchFamily="34" charset="0"/>
+            </a:endParaRPr>
+          </a:p>
+        </p:txBody>
+      </p:sp>
+      <p:cxnSp>
+        <p:nvCxnSpPr>
+          <p:cNvPr id="11" name="Straight Connector 10">
+            <a:extLst>
+              <a:ext uri="{FF2B5EF4-FFF2-40B4-BE49-F238E27FC236}">
+                <a16:creationId xmlns:a16="http://schemas.microsoft.com/office/drawing/2014/main" id="{1DF4AB49-42C7-F7A6-91DD-79BF498E1CB8}"/>
+              </a:ext>
+            </a:extLst>
+          </p:cNvPr>
+          <p:cNvCxnSpPr>
+            <a:cxnSpLocks/>
+          </p:cNvCxnSpPr>
+          <p:nvPr/>
+        </p:nvCxnSpPr>
+        <p:spPr>
+          <a:xfrm flipH="1">
+            <a:off x="3310304" y="3094892"/>
+            <a:ext cx="492369" cy="268166"/>
+          </a:xfrm>
+          <a:prstGeom prst="line">
+            <a:avLst/>
+          </a:prstGeom>
+          <a:ln w="19050">
+            <a:solidFill>
+              <a:schemeClr val="tx1"/>
+            </a:solidFill>
+            <a:prstDash val="sysDash"/>
+          </a:ln>
+        </p:spPr>
+        <p:style>
+          <a:lnRef idx="1">
+            <a:schemeClr val="accent1"/>
+          </a:lnRef>
+          <a:fillRef idx="0">
+            <a:schemeClr val="accent1"/>
+          </a:fillRef>
+          <a:effectRef idx="0">
+            <a:schemeClr val="accent1"/>
+          </a:effectRef>
+          <a:fontRef idx="minor">
+            <a:schemeClr val="tx1"/>
+          </a:fontRef>
+        </p:style>
+      </p:cxnSp>
+      <p:cxnSp>
+        <p:nvCxnSpPr>
+          <p:cNvPr id="13" name="Straight Connector 12">
+            <a:extLst>
+              <a:ext uri="{FF2B5EF4-FFF2-40B4-BE49-F238E27FC236}">
+                <a16:creationId xmlns:a16="http://schemas.microsoft.com/office/drawing/2014/main" id="{170B2E90-9CCF-B81F-45B4-0D7BB0CF5142}"/>
+              </a:ext>
+            </a:extLst>
+          </p:cNvPr>
+          <p:cNvCxnSpPr>
+            <a:cxnSpLocks/>
+          </p:cNvCxnSpPr>
+          <p:nvPr/>
+        </p:nvCxnSpPr>
+        <p:spPr>
+          <a:xfrm flipH="1">
+            <a:off x="4141177" y="3138854"/>
+            <a:ext cx="136281" cy="540727"/>
+          </a:xfrm>
+          <a:prstGeom prst="line">
+            <a:avLst/>
+          </a:prstGeom>
+          <a:ln w="19050">
+            <a:solidFill>
+              <a:schemeClr val="tx1"/>
+            </a:solidFill>
+            <a:prstDash val="sysDash"/>
+          </a:ln>
+        </p:spPr>
+        <p:style>
+          <a:lnRef idx="1">
+            <a:schemeClr val="accent1"/>
+          </a:lnRef>
+          <a:fillRef idx="0">
+            <a:schemeClr val="accent1"/>
+          </a:fillRef>
+          <a:effectRef idx="0">
+            <a:schemeClr val="accent1"/>
+          </a:effectRef>
+          <a:fontRef idx="minor">
+            <a:schemeClr val="tx1"/>
+          </a:fontRef>
+        </p:style>
+      </p:cxnSp>
+      <p:sp>
+        <p:nvSpPr>
+          <p:cNvPr id="20" name="TextBox 19">
+            <a:extLst>
+              <a:ext uri="{FF2B5EF4-FFF2-40B4-BE49-F238E27FC236}">
+                <a16:creationId xmlns:a16="http://schemas.microsoft.com/office/drawing/2014/main" id="{031B2DAA-6D3F-D05A-74B0-5430CC1F810C}"/>
+              </a:ext>
+            </a:extLst>
+          </p:cNvPr>
+          <p:cNvSpPr txBox="1"/>
+          <p:nvPr/>
+        </p:nvSpPr>
+        <p:spPr>
+          <a:xfrm>
+            <a:off x="5240286" y="6385388"/>
+            <a:ext cx="887952" cy="338554"/>
+          </a:xfrm>
+          <a:prstGeom prst="rect">
+            <a:avLst/>
+          </a:prstGeom>
+          <a:noFill/>
+        </p:spPr>
+        <p:txBody>
+          <a:bodyPr wrap="square" rtlCol="0">
+            <a:spAutoFit/>
+          </a:bodyPr>
+          <a:lstStyle/>
+          <a:p>
+            <a:pPr algn="ctr"/>
+            <a:r>
+              <a:rPr lang="en-US" sz="1600" dirty="0" err="1">
+                <a:latin typeface="Arial" panose="020B0604020202020204" pitchFamily="34" charset="0"/>
+                <a:cs typeface="Arial" panose="020B0604020202020204" pitchFamily="34" charset="0"/>
+              </a:rPr>
+              <a:t>Osa</a:t>
+            </a:r>
+            <a:endParaRPr lang="en-US" sz="1600" dirty="0">
+              <a:latin typeface="Arial" panose="020B0604020202020204" pitchFamily="34" charset="0"/>
+              <a:cs typeface="Arial" panose="020B0604020202020204" pitchFamily="34" charset="0"/>
+            </a:endParaRPr>
+          </a:p>
+        </p:txBody>
+      </p:sp>
+      <p:cxnSp>
+        <p:nvCxnSpPr>
+          <p:cNvPr id="21" name="Straight Connector 20">
+            <a:extLst>
+              <a:ext uri="{FF2B5EF4-FFF2-40B4-BE49-F238E27FC236}">
+                <a16:creationId xmlns:a16="http://schemas.microsoft.com/office/drawing/2014/main" id="{6AF37520-506E-0EA5-16BA-2D2AE3E751EC}"/>
+              </a:ext>
+            </a:extLst>
+          </p:cNvPr>
+          <p:cNvCxnSpPr>
+            <a:cxnSpLocks/>
+          </p:cNvCxnSpPr>
+          <p:nvPr/>
+        </p:nvCxnSpPr>
+        <p:spPr>
+          <a:xfrm>
+            <a:off x="4677508" y="6479931"/>
+            <a:ext cx="773723" cy="74734"/>
+          </a:xfrm>
+          <a:prstGeom prst="line">
+            <a:avLst/>
+          </a:prstGeom>
+          <a:ln w="19050">
+            <a:solidFill>
+              <a:schemeClr val="tx1"/>
+            </a:solidFill>
+            <a:prstDash val="sysDash"/>
+          </a:ln>
+        </p:spPr>
+        <p:style>
+          <a:lnRef idx="1">
+            <a:schemeClr val="accent1"/>
+          </a:lnRef>
+          <a:fillRef idx="0">
+            <a:schemeClr val="accent1"/>
+          </a:fillRef>
+          <a:effectRef idx="0">
+            <a:schemeClr val="accent1"/>
+          </a:effectRef>
+          <a:fontRef idx="minor">
+            <a:schemeClr val="tx1"/>
+          </a:fontRef>
+        </p:style>
+      </p:cxnSp>
+      <p:sp>
+        <p:nvSpPr>
+          <p:cNvPr id="25" name="TextBox 24">
+            <a:extLst>
+              <a:ext uri="{FF2B5EF4-FFF2-40B4-BE49-F238E27FC236}">
+                <a16:creationId xmlns:a16="http://schemas.microsoft.com/office/drawing/2014/main" id="{8DE1D7A6-D8E3-1490-84C8-6E77577E91FC}"/>
+              </a:ext>
+            </a:extLst>
+          </p:cNvPr>
+          <p:cNvSpPr txBox="1"/>
+          <p:nvPr/>
+        </p:nvSpPr>
+        <p:spPr>
+          <a:xfrm>
+            <a:off x="2456718" y="6310654"/>
+            <a:ext cx="1150326" cy="338554"/>
+          </a:xfrm>
+          <a:prstGeom prst="rect">
+            <a:avLst/>
+          </a:prstGeom>
+          <a:noFill/>
+        </p:spPr>
+        <p:txBody>
+          <a:bodyPr wrap="square" rtlCol="0">
+            <a:spAutoFit/>
+          </a:bodyPr>
+          <a:lstStyle/>
+          <a:p>
+            <a:pPr algn="ctr"/>
+            <a:r>
+              <a:rPr lang="en-US" sz="1600" dirty="0" err="1">
+                <a:latin typeface="Arial" panose="020B0604020202020204" pitchFamily="34" charset="0"/>
+                <a:cs typeface="Arial" panose="020B0604020202020204" pitchFamily="34" charset="0"/>
+              </a:rPr>
+              <a:t>Pejeperro</a:t>
+            </a:r>
+            <a:endParaRPr lang="en-US" sz="1600" dirty="0">
+              <a:latin typeface="Arial" panose="020B0604020202020204" pitchFamily="34" charset="0"/>
+              <a:cs typeface="Arial" panose="020B0604020202020204" pitchFamily="34" charset="0"/>
+            </a:endParaRPr>
+          </a:p>
+        </p:txBody>
+      </p:sp>
+      <p:cxnSp>
+        <p:nvCxnSpPr>
+          <p:cNvPr id="26" name="Straight Connector 25">
+            <a:extLst>
+              <a:ext uri="{FF2B5EF4-FFF2-40B4-BE49-F238E27FC236}">
+                <a16:creationId xmlns:a16="http://schemas.microsoft.com/office/drawing/2014/main" id="{15B0D1F7-9370-AAB6-EFBE-C3FC750C2B98}"/>
+              </a:ext>
+            </a:extLst>
+          </p:cNvPr>
+          <p:cNvCxnSpPr>
+            <a:cxnSpLocks/>
+          </p:cNvCxnSpPr>
+          <p:nvPr/>
+        </p:nvCxnSpPr>
+        <p:spPr>
+          <a:xfrm flipV="1">
+            <a:off x="3503735" y="6479931"/>
+            <a:ext cx="773723" cy="32970"/>
+          </a:xfrm>
+          <a:prstGeom prst="line">
+            <a:avLst/>
+          </a:prstGeom>
+          <a:ln w="19050">
+            <a:solidFill>
+              <a:schemeClr val="tx1"/>
+            </a:solidFill>
+            <a:prstDash val="sysDash"/>
+          </a:ln>
+        </p:spPr>
+        <p:style>
+          <a:lnRef idx="1">
+            <a:schemeClr val="accent1"/>
+          </a:lnRef>
+          <a:fillRef idx="0">
+            <a:schemeClr val="accent1"/>
+          </a:fillRef>
+          <a:effectRef idx="0">
+            <a:schemeClr val="accent1"/>
+          </a:effectRef>
+          <a:fontRef idx="minor">
+            <a:schemeClr val="tx1"/>
+          </a:fontRef>
+        </p:style>
+      </p:cxnSp>
+      <p:cxnSp>
+        <p:nvCxnSpPr>
+          <p:cNvPr id="29" name="Straight Connector 28">
+            <a:extLst>
+              <a:ext uri="{FF2B5EF4-FFF2-40B4-BE49-F238E27FC236}">
+                <a16:creationId xmlns:a16="http://schemas.microsoft.com/office/drawing/2014/main" id="{DF3371F8-0D94-E9C3-7EAB-53CA640DF967}"/>
+              </a:ext>
+            </a:extLst>
+          </p:cNvPr>
+          <p:cNvCxnSpPr>
+            <a:cxnSpLocks/>
+          </p:cNvCxnSpPr>
+          <p:nvPr/>
+        </p:nvCxnSpPr>
+        <p:spPr>
+          <a:xfrm flipV="1">
+            <a:off x="4746346" y="4644788"/>
+            <a:ext cx="102647" cy="305765"/>
+          </a:xfrm>
+          <a:prstGeom prst="line">
+            <a:avLst/>
+          </a:prstGeom>
+          <a:ln w="19050">
+            <a:solidFill>
+              <a:schemeClr val="tx1"/>
+            </a:solidFill>
+            <a:prstDash val="sysDash"/>
+          </a:ln>
+        </p:spPr>
+        <p:style>
+          <a:lnRef idx="1">
+            <a:schemeClr val="accent1"/>
+          </a:lnRef>
+          <a:fillRef idx="0">
+            <a:schemeClr val="accent1"/>
+          </a:fillRef>
+          <a:effectRef idx="0">
+            <a:schemeClr val="accent1"/>
+          </a:effectRef>
+          <a:fontRef idx="minor">
+            <a:schemeClr val="tx1"/>
+          </a:fontRef>
+        </p:style>
+      </p:cxnSp>
+      <p:sp>
+        <p:nvSpPr>
+          <p:cNvPr id="30" name="TextBox 29">
+            <a:extLst>
+              <a:ext uri="{FF2B5EF4-FFF2-40B4-BE49-F238E27FC236}">
+                <a16:creationId xmlns:a16="http://schemas.microsoft.com/office/drawing/2014/main" id="{12A773D1-F14C-4674-7EF1-2B6524435E10}"/>
+              </a:ext>
+            </a:extLst>
+          </p:cNvPr>
+          <p:cNvSpPr txBox="1"/>
+          <p:nvPr/>
+        </p:nvSpPr>
+        <p:spPr>
+          <a:xfrm>
+            <a:off x="5741376" y="4722178"/>
+            <a:ext cx="773723" cy="338554"/>
+          </a:xfrm>
+          <a:prstGeom prst="rect">
+            <a:avLst/>
+          </a:prstGeom>
+          <a:noFill/>
+        </p:spPr>
+        <p:txBody>
+          <a:bodyPr wrap="square" rtlCol="0">
+            <a:spAutoFit/>
+          </a:bodyPr>
+          <a:lstStyle/>
+          <a:p>
+            <a:pPr algn="ctr"/>
+            <a:r>
+              <a:rPr lang="en-US" sz="1600" dirty="0">
+                <a:latin typeface="Arial" panose="020B0604020202020204" pitchFamily="34" charset="0"/>
+                <a:cs typeface="Arial" panose="020B0604020202020204" pitchFamily="34" charset="0"/>
+              </a:rPr>
+              <a:t>Golfito</a:t>
+            </a:r>
+          </a:p>
+        </p:txBody>
+      </p:sp>
+      <p:sp>
+        <p:nvSpPr>
+          <p:cNvPr id="31" name="TextBox 30">
+            <a:extLst>
+              <a:ext uri="{FF2B5EF4-FFF2-40B4-BE49-F238E27FC236}">
+                <a16:creationId xmlns:a16="http://schemas.microsoft.com/office/drawing/2014/main" id="{C3A1A8D7-F64F-21D8-99B4-A3713818A952}"/>
+              </a:ext>
+            </a:extLst>
+          </p:cNvPr>
+          <p:cNvSpPr txBox="1"/>
+          <p:nvPr/>
+        </p:nvSpPr>
+        <p:spPr>
+          <a:xfrm>
+            <a:off x="4273830" y="4891455"/>
+            <a:ext cx="1150326" cy="584775"/>
+          </a:xfrm>
+          <a:prstGeom prst="rect">
+            <a:avLst/>
+          </a:prstGeom>
+          <a:noFill/>
+        </p:spPr>
+        <p:txBody>
+          <a:bodyPr wrap="square" rtlCol="0">
+            <a:spAutoFit/>
+          </a:bodyPr>
+          <a:lstStyle/>
+          <a:p>
+            <a:pPr algn="ctr"/>
+            <a:r>
+              <a:rPr lang="en-US" sz="1600" dirty="0">
+                <a:latin typeface="Arial" panose="020B0604020202020204" pitchFamily="34" charset="0"/>
+                <a:cs typeface="Arial" panose="020B0604020202020204" pitchFamily="34" charset="0"/>
+              </a:rPr>
+              <a:t>Piedras </a:t>
+            </a:r>
+            <a:r>
+              <a:rPr lang="en-US" sz="1600" dirty="0" err="1">
+                <a:latin typeface="Arial" panose="020B0604020202020204" pitchFamily="34" charset="0"/>
+                <a:cs typeface="Arial" panose="020B0604020202020204" pitchFamily="34" charset="0"/>
+              </a:rPr>
+              <a:t>Blancas</a:t>
+            </a:r>
+            <a:endParaRPr lang="en-US" sz="1600" dirty="0">
+              <a:latin typeface="Arial" panose="020B0604020202020204" pitchFamily="34" charset="0"/>
+              <a:cs typeface="Arial" panose="020B0604020202020204" pitchFamily="34" charset="0"/>
+            </a:endParaRPr>
+          </a:p>
+        </p:txBody>
+      </p:sp>
+      <p:sp>
+        <p:nvSpPr>
+          <p:cNvPr id="34" name="TextBox 33">
+            <a:extLst>
+              <a:ext uri="{FF2B5EF4-FFF2-40B4-BE49-F238E27FC236}">
+                <a16:creationId xmlns:a16="http://schemas.microsoft.com/office/drawing/2014/main" id="{51BD952D-9DB4-D243-FD93-58BD7BA0D1E0}"/>
+              </a:ext>
+            </a:extLst>
+          </p:cNvPr>
+          <p:cNvSpPr txBox="1"/>
+          <p:nvPr/>
+        </p:nvSpPr>
+        <p:spPr>
+          <a:xfrm>
+            <a:off x="2586371" y="5553203"/>
+            <a:ext cx="1371479" cy="338554"/>
+          </a:xfrm>
+          <a:prstGeom prst="rect">
+            <a:avLst/>
+          </a:prstGeom>
+          <a:noFill/>
+        </p:spPr>
+        <p:txBody>
+          <a:bodyPr wrap="square" rtlCol="0">
+            <a:spAutoFit/>
+          </a:bodyPr>
+          <a:lstStyle/>
+          <a:p>
+            <a:pPr algn="ctr"/>
+            <a:r>
+              <a:rPr lang="en-US" sz="1600" dirty="0">
+                <a:latin typeface="Arial" panose="020B0604020202020204" pitchFamily="34" charset="0"/>
+                <a:cs typeface="Arial" panose="020B0604020202020204" pitchFamily="34" charset="0"/>
+              </a:rPr>
+              <a:t>Corcovado</a:t>
+            </a:r>
+          </a:p>
+        </p:txBody>
+      </p:sp>
+      <p:sp>
+        <p:nvSpPr>
+          <p:cNvPr id="35" name="TextBox 34">
+            <a:extLst>
+              <a:ext uri="{FF2B5EF4-FFF2-40B4-BE49-F238E27FC236}">
+                <a16:creationId xmlns:a16="http://schemas.microsoft.com/office/drawing/2014/main" id="{7ECE2FC5-3333-39EE-8A72-8C01AF1FF1D7}"/>
+              </a:ext>
+            </a:extLst>
+          </p:cNvPr>
+          <p:cNvSpPr txBox="1"/>
+          <p:nvPr/>
+        </p:nvSpPr>
+        <p:spPr>
+          <a:xfrm>
+            <a:off x="882751" y="3706875"/>
+            <a:ext cx="1611263" cy="584775"/>
+          </a:xfrm>
+          <a:prstGeom prst="rect">
+            <a:avLst/>
+          </a:prstGeom>
+          <a:noFill/>
+        </p:spPr>
+        <p:txBody>
+          <a:bodyPr wrap="square" rtlCol="0">
+            <a:spAutoFit/>
+          </a:bodyPr>
+          <a:lstStyle/>
+          <a:p>
+            <a:pPr algn="ctr"/>
+            <a:r>
+              <a:rPr lang="en-US" sz="1600" dirty="0" err="1">
+                <a:latin typeface="Arial" panose="020B0604020202020204" pitchFamily="34" charset="0"/>
+                <a:cs typeface="Arial" panose="020B0604020202020204" pitchFamily="34" charset="0"/>
+              </a:rPr>
+              <a:t>Golfo</a:t>
+            </a:r>
+            <a:r>
+              <a:rPr lang="en-US" sz="1600" dirty="0">
+                <a:latin typeface="Arial" panose="020B0604020202020204" pitchFamily="34" charset="0"/>
+                <a:cs typeface="Arial" panose="020B0604020202020204" pitchFamily="34" charset="0"/>
+              </a:rPr>
+              <a:t> Dulce</a:t>
+            </a:r>
+          </a:p>
+          <a:p>
+            <a:pPr algn="ctr"/>
+            <a:r>
+              <a:rPr lang="en-US" sz="1600" dirty="0">
+                <a:latin typeface="Arial" panose="020B0604020202020204" pitchFamily="34" charset="0"/>
+                <a:cs typeface="Arial" panose="020B0604020202020204" pitchFamily="34" charset="0"/>
+              </a:rPr>
+              <a:t>Forest Reserve</a:t>
+            </a:r>
+          </a:p>
+        </p:txBody>
+      </p:sp>
+      <p:cxnSp>
+        <p:nvCxnSpPr>
+          <p:cNvPr id="36" name="Straight Connector 35">
+            <a:extLst>
+              <a:ext uri="{FF2B5EF4-FFF2-40B4-BE49-F238E27FC236}">
+                <a16:creationId xmlns:a16="http://schemas.microsoft.com/office/drawing/2014/main" id="{5F58E3DD-6B83-E0D9-6923-74690A2982CB}"/>
+              </a:ext>
+            </a:extLst>
+          </p:cNvPr>
+          <p:cNvCxnSpPr>
+            <a:cxnSpLocks/>
+          </p:cNvCxnSpPr>
+          <p:nvPr/>
+        </p:nvCxnSpPr>
+        <p:spPr>
+          <a:xfrm flipH="1" flipV="1">
+            <a:off x="2169994" y="4264356"/>
+            <a:ext cx="861887" cy="326125"/>
+          </a:xfrm>
+          <a:prstGeom prst="line">
+            <a:avLst/>
+          </a:prstGeom>
+          <a:ln w="19050">
+            <a:solidFill>
+              <a:schemeClr val="tx1"/>
+            </a:solidFill>
+            <a:prstDash val="sysDash"/>
+          </a:ln>
+        </p:spPr>
+        <p:style>
+          <a:lnRef idx="1">
+            <a:schemeClr val="accent1"/>
+          </a:lnRef>
+          <a:fillRef idx="0">
+            <a:schemeClr val="accent1"/>
+          </a:fillRef>
+          <a:effectRef idx="0">
+            <a:schemeClr val="accent1"/>
+          </a:effectRef>
+          <a:fontRef idx="minor">
+            <a:schemeClr val="tx1"/>
+          </a:fontRef>
+        </p:style>
+      </p:cxnSp>
     </p:spTree>
     <p:extLst>
       <p:ext uri="{BB962C8B-B14F-4D97-AF65-F5344CB8AC3E}">
-        <p14:creationId xmlns:p14="http://schemas.microsoft.com/office/powerpoint/2010/main" val="3404793699"/>
+        <p14:creationId xmlns:p14="http://schemas.microsoft.com/office/powerpoint/2010/main" val="2832162108"/>
       </p:ext>
     </p:extLst>
   </p:cSld>
@@ -3429,10 +4048,10 @@
       </p:grpSpPr>
       <p:pic>
         <p:nvPicPr>
-          <p:cNvPr id="5" name="Picture 4">
-            <a:extLst>
-              <a:ext uri="{FF2B5EF4-FFF2-40B4-BE49-F238E27FC236}">
-                <a16:creationId xmlns:a16="http://schemas.microsoft.com/office/drawing/2014/main" id="{31BC6981-3C03-B435-ACDD-D2C0266DA35C}"/>
+          <p:cNvPr id="12" name="Picture 11">
+            <a:extLst>
+              <a:ext uri="{FF2B5EF4-FFF2-40B4-BE49-F238E27FC236}">
+                <a16:creationId xmlns:a16="http://schemas.microsoft.com/office/drawing/2014/main" id="{944CCCBD-892F-5BB9-074D-2628C201C2E2}"/>
               </a:ext>
             </a:extLst>
           </p:cNvPr>
@@ -3449,13 +4068,13 @@
               </a:ext>
             </a:extLst>
           </a:blip>
-          <a:srcRect l="20343"/>
+          <a:srcRect l="20258"/>
           <a:stretch/>
         </p:blipFill>
         <p:spPr>
           <a:xfrm>
             <a:off x="39564" y="39564"/>
-            <a:ext cx="4120079" cy="3657600"/>
+            <a:ext cx="4124475" cy="3657600"/>
           </a:xfrm>
           <a:prstGeom prst="rect">
             <a:avLst/>
@@ -3469,10 +4088,10 @@
       </p:pic>
       <p:pic>
         <p:nvPicPr>
-          <p:cNvPr id="7" name="Picture 6">
-            <a:extLst>
-              <a:ext uri="{FF2B5EF4-FFF2-40B4-BE49-F238E27FC236}">
-                <a16:creationId xmlns:a16="http://schemas.microsoft.com/office/drawing/2014/main" id="{6E17A055-0780-759B-76D6-7CB3CF8F798D}"/>
+          <p:cNvPr id="10" name="Picture 9">
+            <a:extLst>
+              <a:ext uri="{FF2B5EF4-FFF2-40B4-BE49-F238E27FC236}">
+                <a16:creationId xmlns:a16="http://schemas.microsoft.com/office/drawing/2014/main" id="{F2306B22-6C42-8936-405D-4F3649745D12}"/>
               </a:ext>
             </a:extLst>
           </p:cNvPr>
@@ -3489,13 +4108,13 @@
               </a:ext>
             </a:extLst>
           </a:blip>
-          <a:srcRect l="20343"/>
+          <a:srcRect l="20258"/>
           <a:stretch/>
         </p:blipFill>
         <p:spPr>
           <a:xfrm>
             <a:off x="4215910" y="39564"/>
-            <a:ext cx="4120079" cy="3657600"/>
+            <a:ext cx="4124475" cy="3657600"/>
           </a:xfrm>
           <a:prstGeom prst="rect">
             <a:avLst/>
@@ -3587,6 +4206,36 @@
     <p:extLst>
       <p:ext uri="{BB962C8B-B14F-4D97-AF65-F5344CB8AC3E}">
         <p14:creationId xmlns:p14="http://schemas.microsoft.com/office/powerpoint/2010/main" val="54289326"/>
+      </p:ext>
+    </p:extLst>
+  </p:cSld>
+  <p:clrMapOvr>
+    <a:masterClrMapping/>
+  </p:clrMapOvr>
+</p:sld>
+</file>
+
+<file path=ppt/slides/slide3.xml><?xml version="1.0" encoding="utf-8"?>
+<p:sld xmlns:a="http://schemas.openxmlformats.org/drawingml/2006/main" xmlns:r="http://schemas.openxmlformats.org/officeDocument/2006/relationships" xmlns:p="http://schemas.openxmlformats.org/presentationml/2006/main">
+  <p:cSld>
+    <p:spTree>
+      <p:nvGrpSpPr>
+        <p:cNvPr id="1" name=""/>
+        <p:cNvGrpSpPr/>
+        <p:nvPr/>
+      </p:nvGrpSpPr>
+      <p:grpSpPr>
+        <a:xfrm>
+          <a:off x="0" y="0"/>
+          <a:ext cx="0" cy="0"/>
+          <a:chOff x="0" y="0"/>
+          <a:chExt cx="0" cy="0"/>
+        </a:xfrm>
+      </p:grpSpPr>
+    </p:spTree>
+    <p:extLst>
+      <p:ext uri="{BB962C8B-B14F-4D97-AF65-F5344CB8AC3E}">
+        <p14:creationId xmlns:p14="http://schemas.microsoft.com/office/powerpoint/2010/main" val="2356873867"/>
       </p:ext>
     </p:extLst>
   </p:cSld>

--- a/Figures/Figure_studio.pptx
+++ b/Figures/Figure_studio.pptx
@@ -261,7 +261,7 @@
           <a:p>
             <a:fld id="{CD48A445-E91F-4F3C-B20C-709616792687}" type="datetimeFigureOut">
               <a:rPr lang="en-US" smtClean="0"/>
-              <a:t>11/28/2023</a:t>
+              <a:t>12/4/2023</a:t>
             </a:fld>
             <a:endParaRPr lang="en-US"/>
           </a:p>
@@ -459,7 +459,7 @@
           <a:p>
             <a:fld id="{CD48A445-E91F-4F3C-B20C-709616792687}" type="datetimeFigureOut">
               <a:rPr lang="en-US" smtClean="0"/>
-              <a:t>11/28/2023</a:t>
+              <a:t>12/4/2023</a:t>
             </a:fld>
             <a:endParaRPr lang="en-US"/>
           </a:p>
@@ -667,7 +667,7 @@
           <a:p>
             <a:fld id="{CD48A445-E91F-4F3C-B20C-709616792687}" type="datetimeFigureOut">
               <a:rPr lang="en-US" smtClean="0"/>
-              <a:t>11/28/2023</a:t>
+              <a:t>12/4/2023</a:t>
             </a:fld>
             <a:endParaRPr lang="en-US"/>
           </a:p>
@@ -865,7 +865,7 @@
           <a:p>
             <a:fld id="{CD48A445-E91F-4F3C-B20C-709616792687}" type="datetimeFigureOut">
               <a:rPr lang="en-US" smtClean="0"/>
-              <a:t>11/28/2023</a:t>
+              <a:t>12/4/2023</a:t>
             </a:fld>
             <a:endParaRPr lang="en-US"/>
           </a:p>
@@ -1140,7 +1140,7 @@
           <a:p>
             <a:fld id="{CD48A445-E91F-4F3C-B20C-709616792687}" type="datetimeFigureOut">
               <a:rPr lang="en-US" smtClean="0"/>
-              <a:t>11/28/2023</a:t>
+              <a:t>12/4/2023</a:t>
             </a:fld>
             <a:endParaRPr lang="en-US"/>
           </a:p>
@@ -1405,7 +1405,7 @@
           <a:p>
             <a:fld id="{CD48A445-E91F-4F3C-B20C-709616792687}" type="datetimeFigureOut">
               <a:rPr lang="en-US" smtClean="0"/>
-              <a:t>11/28/2023</a:t>
+              <a:t>12/4/2023</a:t>
             </a:fld>
             <a:endParaRPr lang="en-US"/>
           </a:p>
@@ -1817,7 +1817,7 @@
           <a:p>
             <a:fld id="{CD48A445-E91F-4F3C-B20C-709616792687}" type="datetimeFigureOut">
               <a:rPr lang="en-US" smtClean="0"/>
-              <a:t>11/28/2023</a:t>
+              <a:t>12/4/2023</a:t>
             </a:fld>
             <a:endParaRPr lang="en-US"/>
           </a:p>
@@ -1958,7 +1958,7 @@
           <a:p>
             <a:fld id="{CD48A445-E91F-4F3C-B20C-709616792687}" type="datetimeFigureOut">
               <a:rPr lang="en-US" smtClean="0"/>
-              <a:t>11/28/2023</a:t>
+              <a:t>12/4/2023</a:t>
             </a:fld>
             <a:endParaRPr lang="en-US"/>
           </a:p>
@@ -2071,7 +2071,7 @@
           <a:p>
             <a:fld id="{CD48A445-E91F-4F3C-B20C-709616792687}" type="datetimeFigureOut">
               <a:rPr lang="en-US" smtClean="0"/>
-              <a:t>11/28/2023</a:t>
+              <a:t>12/4/2023</a:t>
             </a:fld>
             <a:endParaRPr lang="en-US"/>
           </a:p>
@@ -2382,7 +2382,7 @@
           <a:p>
             <a:fld id="{CD48A445-E91F-4F3C-B20C-709616792687}" type="datetimeFigureOut">
               <a:rPr lang="en-US" smtClean="0"/>
-              <a:t>11/28/2023</a:t>
+              <a:t>12/4/2023</a:t>
             </a:fld>
             <a:endParaRPr lang="en-US"/>
           </a:p>
@@ -2670,7 +2670,7 @@
           <a:p>
             <a:fld id="{CD48A445-E91F-4F3C-B20C-709616792687}" type="datetimeFigureOut">
               <a:rPr lang="en-US" smtClean="0"/>
-              <a:t>11/28/2023</a:t>
+              <a:t>12/4/2023</a:t>
             </a:fld>
             <a:endParaRPr lang="en-US"/>
           </a:p>
@@ -2911,7 +2911,7 @@
           <a:p>
             <a:fld id="{CD48A445-E91F-4F3C-B20C-709616792687}" type="datetimeFigureOut">
               <a:rPr lang="en-US" smtClean="0"/>
-              <a:t>11/28/2023</a:t>
+              <a:t>12/4/2023</a:t>
             </a:fld>
             <a:endParaRPr lang="en-US"/>
           </a:p>
@@ -3330,10 +3330,10 @@
       </p:grpSpPr>
       <p:pic>
         <p:nvPicPr>
-          <p:cNvPr id="6" name="Picture 5">
-            <a:extLst>
-              <a:ext uri="{FF2B5EF4-FFF2-40B4-BE49-F238E27FC236}">
-                <a16:creationId xmlns:a16="http://schemas.microsoft.com/office/drawing/2014/main" id="{4C96F61A-FEC4-2084-2218-EC1A922B6188}"/>
+          <p:cNvPr id="3" name="Picture 2">
+            <a:extLst>
+              <a:ext uri="{FF2B5EF4-FFF2-40B4-BE49-F238E27FC236}">
+                <a16:creationId xmlns:a16="http://schemas.microsoft.com/office/drawing/2014/main" id="{D7D4488C-E254-B5CF-FB05-F64E68CFC95F}"/>
               </a:ext>
             </a:extLst>
           </p:cNvPr>
@@ -3362,9 +3362,6 @@
           <a:prstGeom prst="rect">
             <a:avLst/>
           </a:prstGeom>
-          <a:ln>
-            <a:noFill/>
-          </a:ln>
         </p:spPr>
       </p:pic>
       <p:pic>
@@ -4048,10 +4045,10 @@
       </p:grpSpPr>
       <p:pic>
         <p:nvPicPr>
-          <p:cNvPr id="12" name="Picture 11">
-            <a:extLst>
-              <a:ext uri="{FF2B5EF4-FFF2-40B4-BE49-F238E27FC236}">
-                <a16:creationId xmlns:a16="http://schemas.microsoft.com/office/drawing/2014/main" id="{944CCCBD-892F-5BB9-074D-2628C201C2E2}"/>
+          <p:cNvPr id="7" name="Picture 6">
+            <a:extLst>
+              <a:ext uri="{FF2B5EF4-FFF2-40B4-BE49-F238E27FC236}">
+                <a16:creationId xmlns:a16="http://schemas.microsoft.com/office/drawing/2014/main" id="{1A416377-63E4-3686-8D3A-3994C2D021A2}"/>
               </a:ext>
             </a:extLst>
           </p:cNvPr>
@@ -4088,10 +4085,10 @@
       </p:pic>
       <p:pic>
         <p:nvPicPr>
-          <p:cNvPr id="10" name="Picture 9">
-            <a:extLst>
-              <a:ext uri="{FF2B5EF4-FFF2-40B4-BE49-F238E27FC236}">
-                <a16:creationId xmlns:a16="http://schemas.microsoft.com/office/drawing/2014/main" id="{F2306B22-6C42-8936-405D-4F3649745D12}"/>
+          <p:cNvPr id="5" name="Picture 4">
+            <a:extLst>
+              <a:ext uri="{FF2B5EF4-FFF2-40B4-BE49-F238E27FC236}">
+                <a16:creationId xmlns:a16="http://schemas.microsoft.com/office/drawing/2014/main" id="{50EBA1A3-44AC-1BD1-8E87-82981ABC4A73}"/>
               </a:ext>
             </a:extLst>
           </p:cNvPr>
